--- a/Presentations/PYTHON CONCEPTS.pptx
+++ b/Presentations/PYTHON CONCEPTS.pptx
@@ -211,7 +211,7 @@
           <a:p>
             <a:fld id="{AC10DAF9-1D35-44D4-B1C3-4E5AEF389D13}" type="datetimeFigureOut">
               <a:rPr lang="en-IN" smtClean="0"/>
-              <a:t>29-10-2023</a:t>
+              <a:t>25-11-2023</a:t>
             </a:fld>
             <a:endParaRPr lang="en-IN"/>
           </a:p>
@@ -2734,7 +2734,7 @@
             <a:fld id="{B61BEF0D-F0BB-DE4B-95CE-6DB70DBA9567}" type="datetimeFigureOut">
               <a:rPr lang="en-US" dirty="0"/>
               <a:pPr/>
-              <a:t>10/29/2023</a:t>
+              <a:t>11/25/2023</a:t>
             </a:fld>
             <a:endParaRPr lang="en-US" dirty="0"/>
           </a:p>
@@ -2982,7 +2982,7 @@
             <a:fld id="{B61BEF0D-F0BB-DE4B-95CE-6DB70DBA9567}" type="datetimeFigureOut">
               <a:rPr lang="en-US" dirty="0"/>
               <a:pPr/>
-              <a:t>10/29/2023</a:t>
+              <a:t>11/25/2023</a:t>
             </a:fld>
             <a:endParaRPr lang="en-US" dirty="0"/>
           </a:p>
@@ -3293,7 +3293,7 @@
             <a:fld id="{B61BEF0D-F0BB-DE4B-95CE-6DB70DBA9567}" type="datetimeFigureOut">
               <a:rPr lang="en-US" dirty="0"/>
               <a:pPr/>
-              <a:t>10/29/2023</a:t>
+              <a:t>11/25/2023</a:t>
             </a:fld>
             <a:endParaRPr lang="en-US" dirty="0"/>
           </a:p>
@@ -3617,7 +3617,7 @@
             <a:fld id="{B61BEF0D-F0BB-DE4B-95CE-6DB70DBA9567}" type="datetimeFigureOut">
               <a:rPr lang="en-US" dirty="0"/>
               <a:pPr/>
-              <a:t>10/29/2023</a:t>
+              <a:t>11/25/2023</a:t>
             </a:fld>
             <a:endParaRPr lang="en-US" dirty="0"/>
           </a:p>
@@ -3928,7 +3928,7 @@
             <a:fld id="{B61BEF0D-F0BB-DE4B-95CE-6DB70DBA9567}" type="datetimeFigureOut">
               <a:rPr lang="en-US" dirty="0"/>
               <a:pPr/>
-              <a:t>10/29/2023</a:t>
+              <a:t>11/25/2023</a:t>
             </a:fld>
             <a:endParaRPr lang="en-US" dirty="0"/>
           </a:p>
@@ -4312,7 +4312,7 @@
             <a:fld id="{B61BEF0D-F0BB-DE4B-95CE-6DB70DBA9567}" type="datetimeFigureOut">
               <a:rPr lang="en-US" dirty="0"/>
               <a:pPr/>
-              <a:t>10/29/2023</a:t>
+              <a:t>11/25/2023</a:t>
             </a:fld>
             <a:endParaRPr lang="en-US" dirty="0"/>
           </a:p>
@@ -4478,7 +4478,7 @@
           <a:p>
             <a:fld id="{55C6B4A9-1611-4792-9094-5F34BCA07E0B}" type="datetimeFigureOut">
               <a:rPr lang="en-US" dirty="0"/>
-              <a:t>10/29/2023</a:t>
+              <a:t>11/25/2023</a:t>
             </a:fld>
             <a:endParaRPr lang="en-US" dirty="0"/>
           </a:p>
@@ -4654,7 +4654,7 @@
             <a:fld id="{B61BEF0D-F0BB-DE4B-95CE-6DB70DBA9567}" type="datetimeFigureOut">
               <a:rPr lang="en-US" dirty="0"/>
               <a:pPr/>
-              <a:t>10/29/2023</a:t>
+              <a:t>11/25/2023</a:t>
             </a:fld>
             <a:endParaRPr lang="en-US" dirty="0"/>
           </a:p>
@@ -4827,7 +4827,7 @@
             <a:fld id="{B61BEF0D-F0BB-DE4B-95CE-6DB70DBA9567}" type="datetimeFigureOut">
               <a:rPr lang="en-US" dirty="0"/>
               <a:pPr/>
-              <a:t>10/29/2023</a:t>
+              <a:t>11/25/2023</a:t>
             </a:fld>
             <a:endParaRPr lang="en-US" dirty="0"/>
           </a:p>
@@ -5071,7 +5071,7 @@
             <a:fld id="{B61BEF0D-F0BB-DE4B-95CE-6DB70DBA9567}" type="datetimeFigureOut">
               <a:rPr lang="en-US" dirty="0"/>
               <a:pPr/>
-              <a:t>10/29/2023</a:t>
+              <a:t>11/25/2023</a:t>
             </a:fld>
             <a:endParaRPr lang="en-US" dirty="0"/>
           </a:p>
@@ -5299,7 +5299,7 @@
           <a:p>
             <a:fld id="{EB712588-04B1-427B-82EE-E8DB90309F08}" type="datetimeFigureOut">
               <a:rPr lang="en-US" dirty="0"/>
-              <a:t>10/29/2023</a:t>
+              <a:t>11/25/2023</a:t>
             </a:fld>
             <a:endParaRPr lang="en-US" dirty="0"/>
           </a:p>
@@ -5669,7 +5669,7 @@
             <a:fld id="{B61BEF0D-F0BB-DE4B-95CE-6DB70DBA9567}" type="datetimeFigureOut">
               <a:rPr lang="en-US" dirty="0"/>
               <a:pPr/>
-              <a:t>10/29/2023</a:t>
+              <a:t>11/25/2023</a:t>
             </a:fld>
             <a:endParaRPr lang="en-US" dirty="0"/>
           </a:p>
@@ -5789,7 +5789,7 @@
             <a:fld id="{B61BEF0D-F0BB-DE4B-95CE-6DB70DBA9567}" type="datetimeFigureOut">
               <a:rPr lang="en-US" dirty="0"/>
               <a:pPr/>
-              <a:t>10/29/2023</a:t>
+              <a:t>11/25/2023</a:t>
             </a:fld>
             <a:endParaRPr lang="en-US" dirty="0"/>
           </a:p>
@@ -5881,7 +5881,7 @@
             <a:fld id="{B61BEF0D-F0BB-DE4B-95CE-6DB70DBA9567}" type="datetimeFigureOut">
               <a:rPr lang="en-US" dirty="0"/>
               <a:pPr/>
-              <a:t>10/29/2023</a:t>
+              <a:t>11/25/2023</a:t>
             </a:fld>
             <a:endParaRPr lang="en-US" dirty="0"/>
           </a:p>
@@ -6132,7 +6132,7 @@
           <a:p>
             <a:fld id="{42A54C80-263E-416B-A8E0-580EDEADCBDC}" type="datetimeFigureOut">
               <a:rPr lang="en-US" dirty="0"/>
-              <a:t>10/29/2023</a:t>
+              <a:t>11/25/2023</a:t>
             </a:fld>
             <a:endParaRPr lang="en-US" dirty="0"/>
           </a:p>
@@ -6391,7 +6391,7 @@
             <a:fld id="{B61BEF0D-F0BB-DE4B-95CE-6DB70DBA9567}" type="datetimeFigureOut">
               <a:rPr lang="en-US" dirty="0"/>
               <a:pPr/>
-              <a:t>10/29/2023</a:t>
+              <a:t>11/25/2023</a:t>
             </a:fld>
             <a:endParaRPr lang="en-US" dirty="0"/>
           </a:p>
@@ -7133,7 +7133,7 @@
             <a:fld id="{B61BEF0D-F0BB-DE4B-95CE-6DB70DBA9567}" type="datetimeFigureOut">
               <a:rPr lang="en-US" dirty="0"/>
               <a:pPr/>
-              <a:t>10/29/2023</a:t>
+              <a:t>11/25/2023</a:t>
             </a:fld>
             <a:endParaRPr lang="en-US" dirty="0"/>
           </a:p>
